--- a/eece3170/sp16/lectures/eece.3170sp16_lec9_logical.pptx
+++ b/eece3170/sp16/lectures/eece.3170sp16_lec9_logical.pptx
@@ -1279,7 +1279,7 @@
             <a:fld id="{2BF3F540-B32D-D94E-999C-B0B8E2ECF09D}" type="datetime1">
               <a:rPr lang="en-US"/>
               <a:pPr/>
-              <a:t>2/9/16</a:t>
+              <a:t>2/11/16</a:t>
             </a:fld>
             <a:endParaRPr lang="en-US"/>
           </a:p>
@@ -1843,7 +1843,7 @@
             <a:fld id="{6A094EFB-D74B-0344-A19D-E70AB6E47EBD}" type="datetime1">
               <a:rPr lang="en-US"/>
               <a:pPr/>
-              <a:t>2/9/16</a:t>
+              <a:t>2/11/16</a:t>
             </a:fld>
             <a:endParaRPr lang="en-US"/>
           </a:p>
@@ -2459,7 +2459,7 @@
           <a:p>
             <a:fld id="{AF64AAA4-5B5F-7B4F-B828-AF0CBA7F557C}" type="datetime1">
               <a:rPr lang="en-US" smtClean="0"/>
-              <a:t>2/9/16</a:t>
+              <a:t>2/11/16</a:t>
             </a:fld>
             <a:endParaRPr lang="en-US"/>
           </a:p>
@@ -2656,7 +2656,7 @@
           <a:p>
             <a:fld id="{BC9BB21F-79C8-5441-90BA-C9997CEEA0E2}" type="datetime1">
               <a:rPr lang="en-US" smtClean="0"/>
-              <a:t>2/9/16</a:t>
+              <a:t>2/11/16</a:t>
             </a:fld>
             <a:endParaRPr lang="en-US"/>
           </a:p>
@@ -2862,7 +2862,7 @@
           <a:p>
             <a:fld id="{A0EF413D-9747-114C-8E45-93482E83548D}" type="datetime1">
               <a:rPr lang="en-US" smtClean="0"/>
-              <a:t>2/9/16</a:t>
+              <a:t>2/11/16</a:t>
             </a:fld>
             <a:endParaRPr lang="en-US"/>
           </a:p>
@@ -3125,7 +3125,7 @@
           <a:p>
             <a:fld id="{86C57401-1FFA-8F48-AF9E-953FEA4CEAAB}" type="datetime1">
               <a:rPr lang="en-US" smtClean="0"/>
-              <a:t>2/9/16</a:t>
+              <a:t>2/11/16</a:t>
             </a:fld>
             <a:endParaRPr lang="en-US"/>
           </a:p>
@@ -3388,7 +3388,7 @@
           <a:p>
             <a:fld id="{CC3011F4-9CFC-784F-A4A6-C1E17AD72AD1}" type="datetime1">
               <a:rPr lang="en-US" smtClean="0"/>
-              <a:t>2/9/16</a:t>
+              <a:t>2/11/16</a:t>
             </a:fld>
             <a:endParaRPr lang="en-US"/>
           </a:p>
@@ -3584,7 +3584,7 @@
           <a:p>
             <a:fld id="{4AE46DBE-FC0F-7947-A38B-4E3E4F291007}" type="datetime1">
               <a:rPr lang="en-US" smtClean="0"/>
-              <a:t>2/9/16</a:t>
+              <a:t>2/11/16</a:t>
             </a:fld>
             <a:endParaRPr lang="en-US"/>
           </a:p>
@@ -3802,7 +3802,7 @@
           <a:p>
             <a:fld id="{66386109-A76B-F548-9E78-912431F373F3}" type="datetime1">
               <a:rPr lang="en-US" smtClean="0"/>
-              <a:t>2/9/16</a:t>
+              <a:t>2/11/16</a:t>
             </a:fld>
             <a:endParaRPr lang="en-US"/>
           </a:p>
@@ -4116,7 +4116,7 @@
           <a:p>
             <a:fld id="{1A2AF514-47DA-0741-BD29-86C238D1EC0A}" type="datetime1">
               <a:rPr lang="en-US" smtClean="0"/>
-              <a:t>2/9/16</a:t>
+              <a:t>2/11/16</a:t>
             </a:fld>
             <a:endParaRPr lang="en-US"/>
           </a:p>
@@ -4569,7 +4569,7 @@
           <a:p>
             <a:fld id="{109E535F-B2C9-5340-9181-A20D5D0DD1D2}" type="datetime1">
               <a:rPr lang="en-US" smtClean="0"/>
-              <a:t>2/9/16</a:t>
+              <a:t>2/11/16</a:t>
             </a:fld>
             <a:endParaRPr lang="en-US"/>
           </a:p>
@@ -4713,7 +4713,7 @@
           <a:p>
             <a:fld id="{BBC41F11-2684-6A46-B426-1A115D4298AD}" type="datetime1">
               <a:rPr lang="en-US" smtClean="0"/>
-              <a:t>2/9/16</a:t>
+              <a:t>2/11/16</a:t>
             </a:fld>
             <a:endParaRPr lang="en-US"/>
           </a:p>
@@ -4834,7 +4834,7 @@
           <a:p>
             <a:fld id="{CE09F36A-86A0-E442-9410-18C8CB0CE398}" type="datetime1">
               <a:rPr lang="en-US" smtClean="0"/>
-              <a:t>2/9/16</a:t>
+              <a:t>2/11/16</a:t>
             </a:fld>
             <a:endParaRPr lang="en-US"/>
           </a:p>
@@ -5137,7 +5137,7 @@
           <a:p>
             <a:fld id="{792C92FC-6FFA-A843-98CA-8C194FF08F43}" type="datetime1">
               <a:rPr lang="en-US" smtClean="0"/>
-              <a:t>2/9/16</a:t>
+              <a:t>2/11/16</a:t>
             </a:fld>
             <a:endParaRPr lang="en-US"/>
           </a:p>
@@ -5417,7 +5417,7 @@
           <a:p>
             <a:fld id="{842F7ACA-7E20-FB41-A6F6-7F02FCF119EE}" type="datetime1">
               <a:rPr lang="en-US" smtClean="0"/>
-              <a:t>2/9/16</a:t>
+              <a:t>2/11/16</a:t>
             </a:fld>
             <a:endParaRPr lang="en-US"/>
           </a:p>
@@ -5716,7 +5716,7 @@
           <a:p>
             <a:fld id="{7B7A0031-0796-2846-881C-A62874FDFB2A}" type="datetime1">
               <a:rPr lang="en-US" smtClean="0"/>
-              <a:t>2/9/16</a:t>
+              <a:t>2/11/16</a:t>
             </a:fld>
             <a:endParaRPr lang="en-US"/>
           </a:p>
@@ -7035,7 +7035,7 @@
               <a:rPr lang="en-US" smtClean="0">
                 <a:latin typeface="Garamond" charset="0"/>
               </a:rPr>
-              <a:t>2/9/16</a:t>
+              <a:t>2/11/16</a:t>
             </a:fld>
             <a:endParaRPr lang="en-US">
               <a:latin typeface="Garamond" charset="0"/>
@@ -7739,7 +7739,7 @@
               <a:rPr lang="en-US" smtClean="0">
                 <a:latin typeface="Garamond" charset="0"/>
               </a:rPr>
-              <a:t>2/9/16</a:t>
+              <a:t>2/11/16</a:t>
             </a:fld>
             <a:endParaRPr lang="en-US">
               <a:latin typeface="Garamond" charset="0"/>
@@ -8422,7 +8422,7 @@
               <a:rPr lang="en-US" smtClean="0">
                 <a:latin typeface="Garamond" charset="0"/>
               </a:rPr>
-              <a:t>2/9/16</a:t>
+              <a:t>2/11/16</a:t>
             </a:fld>
             <a:endParaRPr lang="en-US">
               <a:latin typeface="Garamond" charset="0"/>
@@ -9232,7 +9232,7 @@
               <a:rPr lang="en-US" smtClean="0">
                 <a:latin typeface="Garamond" charset="0"/>
               </a:rPr>
-              <a:t>2/9/16</a:t>
+              <a:t>2/11/16</a:t>
             </a:fld>
             <a:endParaRPr lang="en-US">
               <a:latin typeface="Garamond" charset="0"/>
@@ -9675,7 +9675,7 @@
               <a:rPr lang="en-US" smtClean="0">
                 <a:latin typeface="Garamond" charset="0"/>
               </a:rPr>
-              <a:t>2/9/16</a:t>
+              <a:t>2/11/16</a:t>
             </a:fld>
             <a:endParaRPr lang="en-US">
               <a:latin typeface="Garamond" charset="0"/>
@@ -10455,7 +10455,7 @@
               <a:rPr lang="en-US" smtClean="0">
                 <a:latin typeface="Garamond" charset="0"/>
               </a:rPr>
-              <a:t>2/9/16</a:t>
+              <a:t>2/11/16</a:t>
             </a:fld>
             <a:endParaRPr lang="en-US">
               <a:latin typeface="Garamond" charset="0"/>
@@ -10713,8 +10713,32 @@
               <a:rPr lang="en-US" dirty="0">
                 <a:latin typeface="Arial" charset="0"/>
               </a:rPr>
-              <a:t>Next time:</a:t>
-            </a:r>
+              <a:t>Next </a:t>
+            </a:r>
+            <a:r>
+              <a:rPr lang="en-US" dirty="0" smtClean="0">
+                <a:latin typeface="Arial" charset="0"/>
+              </a:rPr>
+              <a:t>time </a:t>
+            </a:r>
+            <a:r>
+              <a:rPr lang="en-US" dirty="0" smtClean="0">
+                <a:solidFill>
+                  <a:srgbClr val="FF0000"/>
+                </a:solidFill>
+                <a:latin typeface="Arial" charset="0"/>
+              </a:rPr>
+              <a:t>(Tuesday, 2/16)</a:t>
+            </a:r>
+            <a:r>
+              <a:rPr lang="en-US" dirty="0" smtClean="0">
+                <a:latin typeface="Arial" charset="0"/>
+              </a:rPr>
+              <a:t>:</a:t>
+            </a:r>
+            <a:endParaRPr lang="en-US" dirty="0">
+              <a:latin typeface="Arial" charset="0"/>
+            </a:endParaRPr>
           </a:p>
           <a:p>
             <a:pPr lvl="1"/>
@@ -10770,11 +10794,11 @@
           <a:p>
             <a:pPr lvl="1"/>
             <a:r>
-              <a:rPr lang="en-US"/>
+              <a:rPr lang="en-US" dirty="0"/>
               <a:t>Exam 1: </a:t>
             </a:r>
             <a:r>
-              <a:rPr lang="en-US" b="1">
+              <a:rPr lang="en-US" b="1" dirty="0">
                 <a:solidFill>
                   <a:srgbClr val="FF0000"/>
                 </a:solidFill>
@@ -10785,7 +10809,7 @@
           <a:p>
             <a:pPr lvl="2"/>
             <a:r>
-              <a:rPr lang="en-US" smtClean="0"/>
+              <a:rPr lang="en-US" dirty="0" smtClean="0"/>
               <a:t>Allowed </a:t>
             </a:r>
             <a:r>
@@ -10937,7 +10961,7 @@
               <a:rPr lang="en-US" smtClean="0">
                 <a:latin typeface="Garamond" charset="0"/>
               </a:rPr>
-              <a:t>2/9/16</a:t>
+              <a:t>2/11/16</a:t>
             </a:fld>
             <a:endParaRPr lang="en-US">
               <a:latin typeface="Garamond" charset="0"/>
@@ -11183,7 +11207,7 @@
         <p:spPr/>
         <p:txBody>
           <a:bodyPr>
-            <a:normAutofit lnSpcReduction="10000"/>
+            <a:normAutofit fontScale="92500"/>
           </a:bodyPr>
           <a:lstStyle/>
           <a:p>
@@ -11195,8 +11219,19 @@
           <a:p>
             <a:pPr lvl="1"/>
             <a:r>
+              <a:rPr lang="en-US" dirty="0" smtClean="0"/>
+              <a:t>Next lecture: Tuesday, not Monday</a:t>
+            </a:r>
+          </a:p>
+          <a:p>
+            <a:pPr lvl="1"/>
+            <a:r>
+              <a:rPr lang="en-US" dirty="0" smtClean="0"/>
+              <a:t>HW </a:t>
+            </a:r>
+            <a:r>
               <a:rPr lang="en-US" dirty="0"/>
-              <a:t>HW 3 </a:t>
+              <a:t>3 </a:t>
             </a:r>
             <a:r>
               <a:rPr lang="en-US" dirty="0" smtClean="0"/>
@@ -11419,7 +11454,7 @@
           <a:p>
             <a:fld id="{8EFDA33B-017A-F74B-88C4-917D41DB2F11}" type="datetime1">
               <a:rPr lang="en-US" smtClean="0"/>
-              <a:t>2/9/16</a:t>
+              <a:t>2/11/16</a:t>
             </a:fld>
             <a:endParaRPr lang="en-US"/>
           </a:p>
@@ -11889,7 +11924,7 @@
               <a:rPr lang="en-US" smtClean="0">
                 <a:latin typeface="Garamond" charset="0"/>
               </a:rPr>
-              <a:t>2/9/16</a:t>
+              <a:t>2/11/16</a:t>
             </a:fld>
             <a:endParaRPr lang="en-US">
               <a:latin typeface="Garamond" charset="0"/>
@@ -12485,7 +12520,7 @@
               <a:rPr lang="en-US" smtClean="0">
                 <a:latin typeface="Garamond" charset="0"/>
               </a:rPr>
-              <a:t>2/9/16</a:t>
+              <a:t>2/11/16</a:t>
             </a:fld>
             <a:endParaRPr lang="en-US">
               <a:latin typeface="Garamond" charset="0"/>
@@ -13005,7 +13040,7 @@
               <a:rPr lang="en-US" smtClean="0">
                 <a:latin typeface="Garamond" charset="0"/>
               </a:rPr>
-              <a:t>2/9/16</a:t>
+              <a:t>2/11/16</a:t>
             </a:fld>
             <a:endParaRPr lang="en-US">
               <a:latin typeface="Garamond" charset="0"/>
@@ -13567,7 +13602,7 @@
               <a:rPr lang="en-US" smtClean="0">
                 <a:latin typeface="Garamond" charset="0"/>
               </a:rPr>
-              <a:t>2/9/16</a:t>
+              <a:t>2/11/16</a:t>
             </a:fld>
             <a:endParaRPr lang="en-US">
               <a:latin typeface="Garamond" charset="0"/>
@@ -14013,7 +14048,7 @@
               <a:rPr lang="en-US" smtClean="0">
                 <a:latin typeface="Garamond" charset="0"/>
               </a:rPr>
-              <a:t>2/9/16</a:t>
+              <a:t>2/11/16</a:t>
             </a:fld>
             <a:endParaRPr lang="en-US">
               <a:latin typeface="Garamond" charset="0"/>
@@ -14668,7 +14703,7 @@
               <a:rPr lang="en-US" smtClean="0">
                 <a:latin typeface="Garamond" charset="0"/>
               </a:rPr>
-              <a:t>2/9/16</a:t>
+              <a:t>2/11/16</a:t>
             </a:fld>
             <a:endParaRPr lang="en-US">
               <a:latin typeface="Garamond" charset="0"/>
@@ -15265,7 +15300,7 @@
               <a:rPr lang="en-US" smtClean="0">
                 <a:latin typeface="Garamond" charset="0"/>
               </a:rPr>
-              <a:t>2/9/16</a:t>
+              <a:t>2/11/16</a:t>
             </a:fld>
             <a:endParaRPr lang="en-US">
               <a:latin typeface="Garamond" charset="0"/>
